--- a/CalendarioAgo25/Presentaciones/2_DireccionamientoIPv4.pptx
+++ b/CalendarioAgo25/Presentaciones/2_DireccionamientoIPv4.pptx
@@ -142,6 +142,59 @@
 </p:presentation>
 </file>
 
+<file path=ppt/revisionInfo.xml><?xml version="1.0" encoding="utf-8"?>
+<p1510:revInfo xmlns:a="http://schemas.openxmlformats.org/drawingml/2006/main" xmlns:r="http://schemas.openxmlformats.org/officeDocument/2006/relationships" xmlns:p1510="http://schemas.microsoft.com/office/powerpoint/2015/10/main">
+  <p1510:revLst>
+    <p1510:client id="{C74DF4BD-DA7F-477F-A7BE-B93111AEEBF2}" v="3" dt="2025-09-23T21:15:43.705"/>
+  </p1510:revLst>
+</p1510:revInfo>
+</file>
+
+<file path=ppt/changesInfos/changesInfo1.xml><?xml version="1.0" encoding="utf-8"?>
+<pc:chgInfo xmlns:a="http://schemas.openxmlformats.org/drawingml/2006/main" xmlns:r="http://schemas.openxmlformats.org/officeDocument/2006/relationships" xmlns:ac="http://schemas.microsoft.com/office/drawing/2013/main/command" xmlns:pc="http://schemas.microsoft.com/office/powerpoint/2013/main/command">
+  <pc:docChgLst>
+    <pc:chgData name="Lizethe Pérez Fuertes" userId="4ae9ef87-2a7d-42f8-8dfa-0a501a9e2ff4" providerId="ADAL" clId="{FDDD45CB-1330-4033-A842-3D2746AFF7C7}"/>
+    <pc:docChg chg="undo custSel modSld">
+      <pc:chgData name="Lizethe Pérez Fuertes" userId="4ae9ef87-2a7d-42f8-8dfa-0a501a9e2ff4" providerId="ADAL" clId="{FDDD45CB-1330-4033-A842-3D2746AFF7C7}" dt="2025-09-23T21:20:15.019" v="57" actId="6549"/>
+      <pc:docMkLst>
+        <pc:docMk/>
+      </pc:docMkLst>
+      <pc:sldChg chg="delSp modSp mod delAnim">
+        <pc:chgData name="Lizethe Pérez Fuertes" userId="4ae9ef87-2a7d-42f8-8dfa-0a501a9e2ff4" providerId="ADAL" clId="{FDDD45CB-1330-4033-A842-3D2746AFF7C7}" dt="2025-09-23T21:20:15.019" v="57" actId="6549"/>
+        <pc:sldMkLst>
+          <pc:docMk/>
+          <pc:sldMk cId="3858920255" sldId="465"/>
+        </pc:sldMkLst>
+        <pc:spChg chg="mod">
+          <ac:chgData name="Lizethe Pérez Fuertes" userId="4ae9ef87-2a7d-42f8-8dfa-0a501a9e2ff4" providerId="ADAL" clId="{FDDD45CB-1330-4033-A842-3D2746AFF7C7}" dt="2025-09-23T21:18:57.664" v="54" actId="1076"/>
+          <ac:spMkLst>
+            <pc:docMk/>
+            <pc:sldMk cId="3858920255" sldId="465"/>
+            <ac:spMk id="2" creationId="{00000000-0000-0000-0000-000000000000}"/>
+          </ac:spMkLst>
+        </pc:spChg>
+        <pc:spChg chg="del">
+          <ac:chgData name="Lizethe Pérez Fuertes" userId="4ae9ef87-2a7d-42f8-8dfa-0a501a9e2ff4" providerId="ADAL" clId="{FDDD45CB-1330-4033-A842-3D2746AFF7C7}" dt="2025-09-23T21:17:27.655" v="38" actId="478"/>
+          <ac:spMkLst>
+            <pc:docMk/>
+            <pc:sldMk cId="3858920255" sldId="465"/>
+            <ac:spMk id="3" creationId="{00000000-0000-0000-0000-000000000000}"/>
+          </ac:spMkLst>
+        </pc:spChg>
+        <pc:graphicFrameChg chg="mod modGraphic">
+          <ac:chgData name="Lizethe Pérez Fuertes" userId="4ae9ef87-2a7d-42f8-8dfa-0a501a9e2ff4" providerId="ADAL" clId="{FDDD45CB-1330-4033-A842-3D2746AFF7C7}" dt="2025-09-23T21:20:15.019" v="57" actId="6549"/>
+          <ac:graphicFrameMkLst>
+            <pc:docMk/>
+            <pc:sldMk cId="3858920255" sldId="465"/>
+            <ac:graphicFrameMk id="4" creationId="{E8EB963D-A592-29D6-881E-30FF03114551}"/>
+          </ac:graphicFrameMkLst>
+        </pc:graphicFrameChg>
+      </pc:sldChg>
+    </pc:docChg>
+  </pc:docChgLst>
+</pc:chgInfo>
+</file>
+
 <file path=ppt/notesMasters/notesMaster1.xml><?xml version="1.0" encoding="utf-8"?>
 <p:notesMaster xmlns:a="http://schemas.openxmlformats.org/drawingml/2006/main" xmlns:r="http://schemas.openxmlformats.org/officeDocument/2006/relationships" xmlns:p="http://schemas.openxmlformats.org/presentationml/2006/main">
   <p:cSld>
@@ -224,7 +277,7 @@
           <a:p>
             <a:fld id="{2D445F07-8756-451B-A938-0248325FC7BB}" type="datetimeFigureOut">
               <a:rPr lang="es-MX" smtClean="0"/>
-              <a:t>16/02/2025</a:t>
+              <a:t>23/09/2025</a:t>
             </a:fld>
             <a:endParaRPr lang="es-MX" dirty="0"/>
           </a:p>
@@ -383,7 +436,7 @@
           <a:p>
             <a:fld id="{5993AEC0-242E-4FA7-9D3C-51E1036AC3CB}" type="slidenum">
               <a:rPr lang="es-MX" smtClean="0"/>
-              <a:t>‹#›</a:t>
+              <a:t>‹Nº›</a:t>
             </a:fld>
             <a:endParaRPr lang="es-MX" dirty="0"/>
           </a:p>
@@ -1369,7 +1422,7 @@
           <a:p>
             <a:fld id="{5E75A0DC-66C6-4CEC-A5EB-F8C97CEC3796}" type="datetimeFigureOut">
               <a:rPr lang="es-MX" smtClean="0"/>
-              <a:t>16/02/2025</a:t>
+              <a:t>23/09/2025</a:t>
             </a:fld>
             <a:endParaRPr lang="es-MX" dirty="0"/>
           </a:p>
@@ -1411,7 +1464,7 @@
           <a:p>
             <a:fld id="{C077EE1E-7A06-4E7F-9AFB-189FC69B7B0C}" type="slidenum">
               <a:rPr lang="es-MX" smtClean="0"/>
-              <a:t>‹#›</a:t>
+              <a:t>‹Nº›</a:t>
             </a:fld>
             <a:endParaRPr lang="es-MX" dirty="0"/>
           </a:p>
@@ -1539,7 +1592,7 @@
           <a:p>
             <a:fld id="{5E75A0DC-66C6-4CEC-A5EB-F8C97CEC3796}" type="datetimeFigureOut">
               <a:rPr lang="es-MX" smtClean="0"/>
-              <a:t>16/02/2025</a:t>
+              <a:t>23/09/2025</a:t>
             </a:fld>
             <a:endParaRPr lang="es-MX" dirty="0"/>
           </a:p>
@@ -1581,7 +1634,7 @@
           <a:p>
             <a:fld id="{C077EE1E-7A06-4E7F-9AFB-189FC69B7B0C}" type="slidenum">
               <a:rPr lang="es-MX" smtClean="0"/>
-              <a:t>‹#›</a:t>
+              <a:t>‹Nº›</a:t>
             </a:fld>
             <a:endParaRPr lang="es-MX" dirty="0"/>
           </a:p>
@@ -1719,7 +1772,7 @@
           <a:p>
             <a:fld id="{5E75A0DC-66C6-4CEC-A5EB-F8C97CEC3796}" type="datetimeFigureOut">
               <a:rPr lang="es-MX" smtClean="0"/>
-              <a:t>16/02/2025</a:t>
+              <a:t>23/09/2025</a:t>
             </a:fld>
             <a:endParaRPr lang="es-MX" dirty="0"/>
           </a:p>
@@ -1761,7 +1814,7 @@
           <a:p>
             <a:fld id="{C077EE1E-7A06-4E7F-9AFB-189FC69B7B0C}" type="slidenum">
               <a:rPr lang="es-MX" smtClean="0"/>
-              <a:t>‹#›</a:t>
+              <a:t>‹Nº›</a:t>
             </a:fld>
             <a:endParaRPr lang="es-MX" dirty="0"/>
           </a:p>
@@ -1889,7 +1942,7 @@
           <a:p>
             <a:fld id="{5E75A0DC-66C6-4CEC-A5EB-F8C97CEC3796}" type="datetimeFigureOut">
               <a:rPr lang="es-MX" smtClean="0"/>
-              <a:t>16/02/2025</a:t>
+              <a:t>23/09/2025</a:t>
             </a:fld>
             <a:endParaRPr lang="es-MX" dirty="0"/>
           </a:p>
@@ -1931,7 +1984,7 @@
           <a:p>
             <a:fld id="{C077EE1E-7A06-4E7F-9AFB-189FC69B7B0C}" type="slidenum">
               <a:rPr lang="es-MX" smtClean="0"/>
-              <a:t>‹#›</a:t>
+              <a:t>‹Nº›</a:t>
             </a:fld>
             <a:endParaRPr lang="es-MX" dirty="0"/>
           </a:p>
@@ -2135,7 +2188,7 @@
           <a:p>
             <a:fld id="{5E75A0DC-66C6-4CEC-A5EB-F8C97CEC3796}" type="datetimeFigureOut">
               <a:rPr lang="es-MX" smtClean="0"/>
-              <a:t>16/02/2025</a:t>
+              <a:t>23/09/2025</a:t>
             </a:fld>
             <a:endParaRPr lang="es-MX" dirty="0"/>
           </a:p>
@@ -2177,7 +2230,7 @@
           <a:p>
             <a:fld id="{C077EE1E-7A06-4E7F-9AFB-189FC69B7B0C}" type="slidenum">
               <a:rPr lang="es-MX" smtClean="0"/>
-              <a:t>‹#›</a:t>
+              <a:t>‹Nº›</a:t>
             </a:fld>
             <a:endParaRPr lang="es-MX" dirty="0"/>
           </a:p>
@@ -2423,7 +2476,7 @@
           <a:p>
             <a:fld id="{5E75A0DC-66C6-4CEC-A5EB-F8C97CEC3796}" type="datetimeFigureOut">
               <a:rPr lang="es-MX" smtClean="0"/>
-              <a:t>16/02/2025</a:t>
+              <a:t>23/09/2025</a:t>
             </a:fld>
             <a:endParaRPr lang="es-MX" dirty="0"/>
           </a:p>
@@ -2465,7 +2518,7 @@
           <a:p>
             <a:fld id="{C077EE1E-7A06-4E7F-9AFB-189FC69B7B0C}" type="slidenum">
               <a:rPr lang="es-MX" smtClean="0"/>
-              <a:t>‹#›</a:t>
+              <a:t>‹Nº›</a:t>
             </a:fld>
             <a:endParaRPr lang="es-MX" dirty="0"/>
           </a:p>
@@ -2845,7 +2898,7 @@
           <a:p>
             <a:fld id="{5E75A0DC-66C6-4CEC-A5EB-F8C97CEC3796}" type="datetimeFigureOut">
               <a:rPr lang="es-MX" smtClean="0"/>
-              <a:t>16/02/2025</a:t>
+              <a:t>23/09/2025</a:t>
             </a:fld>
             <a:endParaRPr lang="es-MX" dirty="0"/>
           </a:p>
@@ -2887,7 +2940,7 @@
           <a:p>
             <a:fld id="{C077EE1E-7A06-4E7F-9AFB-189FC69B7B0C}" type="slidenum">
               <a:rPr lang="es-MX" smtClean="0"/>
-              <a:t>‹#›</a:t>
+              <a:t>‹Nº›</a:t>
             </a:fld>
             <a:endParaRPr lang="es-MX" dirty="0"/>
           </a:p>
@@ -2963,7 +3016,7 @@
           <a:p>
             <a:fld id="{5E75A0DC-66C6-4CEC-A5EB-F8C97CEC3796}" type="datetimeFigureOut">
               <a:rPr lang="es-MX" smtClean="0"/>
-              <a:t>16/02/2025</a:t>
+              <a:t>23/09/2025</a:t>
             </a:fld>
             <a:endParaRPr lang="es-MX" dirty="0"/>
           </a:p>
@@ -3005,7 +3058,7 @@
           <a:p>
             <a:fld id="{C077EE1E-7A06-4E7F-9AFB-189FC69B7B0C}" type="slidenum">
               <a:rPr lang="es-MX" smtClean="0"/>
-              <a:t>‹#›</a:t>
+              <a:t>‹Nº›</a:t>
             </a:fld>
             <a:endParaRPr lang="es-MX" dirty="0"/>
           </a:p>
@@ -3058,7 +3111,7 @@
           <a:p>
             <a:fld id="{5E75A0DC-66C6-4CEC-A5EB-F8C97CEC3796}" type="datetimeFigureOut">
               <a:rPr lang="es-MX" smtClean="0"/>
-              <a:t>16/02/2025</a:t>
+              <a:t>23/09/2025</a:t>
             </a:fld>
             <a:endParaRPr lang="es-MX" dirty="0"/>
           </a:p>
@@ -3100,7 +3153,7 @@
           <a:p>
             <a:fld id="{C077EE1E-7A06-4E7F-9AFB-189FC69B7B0C}" type="slidenum">
               <a:rPr lang="es-MX" smtClean="0"/>
-              <a:t>‹#›</a:t>
+              <a:t>‹Nº›</a:t>
             </a:fld>
             <a:endParaRPr lang="es-MX" dirty="0"/>
           </a:p>
@@ -3335,7 +3388,7 @@
           <a:p>
             <a:fld id="{5E75A0DC-66C6-4CEC-A5EB-F8C97CEC3796}" type="datetimeFigureOut">
               <a:rPr lang="es-MX" smtClean="0"/>
-              <a:t>16/02/2025</a:t>
+              <a:t>23/09/2025</a:t>
             </a:fld>
             <a:endParaRPr lang="es-MX" dirty="0"/>
           </a:p>
@@ -3377,7 +3430,7 @@
           <a:p>
             <a:fld id="{C077EE1E-7A06-4E7F-9AFB-189FC69B7B0C}" type="slidenum">
               <a:rPr lang="es-MX" smtClean="0"/>
-              <a:t>‹#›</a:t>
+              <a:t>‹Nº›</a:t>
             </a:fld>
             <a:endParaRPr lang="es-MX" dirty="0"/>
           </a:p>
@@ -3588,7 +3641,7 @@
           <a:p>
             <a:fld id="{5E75A0DC-66C6-4CEC-A5EB-F8C97CEC3796}" type="datetimeFigureOut">
               <a:rPr lang="es-MX" smtClean="0"/>
-              <a:t>16/02/2025</a:t>
+              <a:t>23/09/2025</a:t>
             </a:fld>
             <a:endParaRPr lang="es-MX" dirty="0"/>
           </a:p>
@@ -3630,7 +3683,7 @@
           <a:p>
             <a:fld id="{C077EE1E-7A06-4E7F-9AFB-189FC69B7B0C}" type="slidenum">
               <a:rPr lang="es-MX" smtClean="0"/>
-              <a:t>‹#›</a:t>
+              <a:t>‹Nº›</a:t>
             </a:fld>
             <a:endParaRPr lang="es-MX" dirty="0"/>
           </a:p>
@@ -3801,7 +3854,7 @@
           <a:p>
             <a:fld id="{5E75A0DC-66C6-4CEC-A5EB-F8C97CEC3796}" type="datetimeFigureOut">
               <a:rPr lang="es-MX" smtClean="0"/>
-              <a:t>16/02/2025</a:t>
+              <a:t>23/09/2025</a:t>
             </a:fld>
             <a:endParaRPr lang="es-MX" dirty="0"/>
           </a:p>
@@ -3879,7 +3932,7 @@
           <a:p>
             <a:fld id="{C077EE1E-7A06-4E7F-9AFB-189FC69B7B0C}" type="slidenum">
               <a:rPr lang="es-MX" smtClean="0"/>
-              <a:t>‹#›</a:t>
+              <a:t>‹Nº›</a:t>
             </a:fld>
             <a:endParaRPr lang="es-MX" dirty="0"/>
           </a:p>
@@ -10581,7 +10634,7 @@
         </p:nvSpPr>
         <p:spPr>
           <a:xfrm>
-            <a:off x="179512" y="65764"/>
+            <a:off x="179512" y="476672"/>
             <a:ext cx="8229600" cy="682622"/>
           </a:xfrm>
           <a:prstGeom prst="rect">
@@ -10650,212 +10703,6 @@
           </a:p>
         </p:txBody>
       </p:sp>
-      <p:sp>
-        <p:nvSpPr>
-          <p:cNvPr id="3" name="object 3"/>
-          <p:cNvSpPr txBox="1"/>
-          <p:nvPr/>
-        </p:nvSpPr>
-        <p:spPr>
-          <a:xfrm>
-            <a:off x="755576" y="1124744"/>
-            <a:ext cx="7653536" cy="369332"/>
-          </a:xfrm>
-          <a:prstGeom prst="rect">
-            <a:avLst/>
-          </a:prstGeom>
-        </p:spPr>
-        <p:txBody>
-          <a:bodyPr vert="horz" wrap="square" lIns="0" tIns="0" rIns="0" bIns="0" rtlCol="0">
-            <a:spAutoFit/>
-          </a:bodyPr>
-          <a:lstStyle/>
-          <a:p>
-            <a:pPr>
-              <a:tabLst>
-                <a:tab pos="4553585" algn="l"/>
-              </a:tabLst>
-            </a:pPr>
-            <a:r>
-              <a:rPr sz="2400" b="1" dirty="0">
-                <a:solidFill>
-                  <a:srgbClr val="0070C0"/>
-                </a:solidFill>
-                <a:latin typeface="Arial" panose="020B0604020202020204" pitchFamily="34" charset="0"/>
-                <a:cs typeface="Arial" panose="020B0604020202020204" pitchFamily="34" charset="0"/>
-              </a:rPr>
-              <a:t>1</a:t>
-            </a:r>
-            <a:r>
-              <a:rPr sz="2400" b="1" spc="5" dirty="0">
-                <a:solidFill>
-                  <a:srgbClr val="0070C0"/>
-                </a:solidFill>
-                <a:latin typeface="Arial" panose="020B0604020202020204" pitchFamily="34" charset="0"/>
-                <a:cs typeface="Arial" panose="020B0604020202020204" pitchFamily="34" charset="0"/>
-              </a:rPr>
-              <a:t>0</a:t>
-            </a:r>
-            <a:r>
-              <a:rPr sz="2400" b="1" dirty="0">
-                <a:solidFill>
-                  <a:srgbClr val="0070C0"/>
-                </a:solidFill>
-                <a:latin typeface="Arial" panose="020B0604020202020204" pitchFamily="34" charset="0"/>
-                <a:cs typeface="Arial" panose="020B0604020202020204" pitchFamily="34" charset="0"/>
-              </a:rPr>
-              <a:t>.</a:t>
-            </a:r>
-            <a:r>
-              <a:rPr sz="2400" b="1" spc="-20" dirty="0">
-                <a:solidFill>
-                  <a:srgbClr val="0070C0"/>
-                </a:solidFill>
-                <a:latin typeface="Arial" panose="020B0604020202020204" pitchFamily="34" charset="0"/>
-                <a:cs typeface="Arial" panose="020B0604020202020204" pitchFamily="34" charset="0"/>
-              </a:rPr>
-              <a:t> </a:t>
-            </a:r>
-            <a:r>
-              <a:rPr sz="2400" b="1" dirty="0">
-                <a:solidFill>
-                  <a:srgbClr val="0070C0"/>
-                </a:solidFill>
-                <a:latin typeface="Arial" panose="020B0604020202020204" pitchFamily="34" charset="0"/>
-                <a:cs typeface="Arial" panose="020B0604020202020204" pitchFamily="34" charset="0"/>
-              </a:rPr>
-              <a:t>2</a:t>
-            </a:r>
-            <a:r>
-              <a:rPr sz="2400" b="1" spc="5" dirty="0">
-                <a:solidFill>
-                  <a:srgbClr val="0070C0"/>
-                </a:solidFill>
-                <a:latin typeface="Arial" panose="020B0604020202020204" pitchFamily="34" charset="0"/>
-                <a:cs typeface="Arial" panose="020B0604020202020204" pitchFamily="34" charset="0"/>
-              </a:rPr>
-              <a:t>5</a:t>
-            </a:r>
-            <a:r>
-              <a:rPr sz="2400" b="1" dirty="0">
-                <a:solidFill>
-                  <a:srgbClr val="0070C0"/>
-                </a:solidFill>
-                <a:latin typeface="Arial" panose="020B0604020202020204" pitchFamily="34" charset="0"/>
-                <a:cs typeface="Arial" panose="020B0604020202020204" pitchFamily="34" charset="0"/>
-              </a:rPr>
-              <a:t>.</a:t>
-            </a:r>
-            <a:r>
-              <a:rPr sz="2400" b="1" spc="-20" dirty="0">
-                <a:solidFill>
-                  <a:srgbClr val="0070C0"/>
-                </a:solidFill>
-                <a:latin typeface="Arial" panose="020B0604020202020204" pitchFamily="34" charset="0"/>
-                <a:cs typeface="Arial" panose="020B0604020202020204" pitchFamily="34" charset="0"/>
-              </a:rPr>
-              <a:t> </a:t>
-            </a:r>
-            <a:r>
-              <a:rPr sz="2400" b="1" dirty="0">
-                <a:solidFill>
-                  <a:srgbClr val="0070C0"/>
-                </a:solidFill>
-                <a:latin typeface="Arial" panose="020B0604020202020204" pitchFamily="34" charset="0"/>
-                <a:cs typeface="Arial" panose="020B0604020202020204" pitchFamily="34" charset="0"/>
-              </a:rPr>
-              <a:t>9</a:t>
-            </a:r>
-            <a:r>
-              <a:rPr sz="2400" b="1" spc="5" dirty="0">
-                <a:solidFill>
-                  <a:srgbClr val="0070C0"/>
-                </a:solidFill>
-                <a:latin typeface="Arial" panose="020B0604020202020204" pitchFamily="34" charset="0"/>
-                <a:cs typeface="Arial" panose="020B0604020202020204" pitchFamily="34" charset="0"/>
-              </a:rPr>
-              <a:t>6</a:t>
-            </a:r>
-            <a:r>
-              <a:rPr sz="2400" b="1" dirty="0">
-                <a:solidFill>
-                  <a:srgbClr val="0070C0"/>
-                </a:solidFill>
-                <a:latin typeface="Arial" panose="020B0604020202020204" pitchFamily="34" charset="0"/>
-                <a:cs typeface="Arial" panose="020B0604020202020204" pitchFamily="34" charset="0"/>
-              </a:rPr>
-              <a:t>.</a:t>
-            </a:r>
-            <a:r>
-              <a:rPr sz="2400" b="1" spc="-20" dirty="0">
-                <a:solidFill>
-                  <a:srgbClr val="0070C0"/>
-                </a:solidFill>
-                <a:latin typeface="Arial" panose="020B0604020202020204" pitchFamily="34" charset="0"/>
-                <a:cs typeface="Arial" panose="020B0604020202020204" pitchFamily="34" charset="0"/>
-              </a:rPr>
-              <a:t> </a:t>
-            </a:r>
-            <a:r>
-              <a:rPr lang="es-ES" sz="2400" b="1" spc="-20" dirty="0">
-                <a:solidFill>
-                  <a:srgbClr val="0070C0"/>
-                </a:solidFill>
-                <a:latin typeface="Arial" panose="020B0604020202020204" pitchFamily="34" charset="0"/>
-                <a:cs typeface="Arial" panose="020B0604020202020204" pitchFamily="34" charset="0"/>
-              </a:rPr>
-              <a:t>2</a:t>
-            </a:r>
-            <a:r>
-              <a:rPr lang="es-ES" sz="2400" b="1" dirty="0">
-                <a:solidFill>
-                  <a:srgbClr val="0070C0"/>
-                </a:solidFill>
-                <a:latin typeface="Arial" panose="020B0604020202020204" pitchFamily="34" charset="0"/>
-                <a:cs typeface="Arial" panose="020B0604020202020204" pitchFamily="34" charset="0"/>
-              </a:rPr>
-              <a:t>  </a:t>
-            </a:r>
-            <a:r>
-              <a:rPr sz="2400" b="1" dirty="0">
-                <a:solidFill>
-                  <a:srgbClr val="0070C0"/>
-                </a:solidFill>
-                <a:latin typeface="Arial" panose="020B0604020202020204" pitchFamily="34" charset="0"/>
-                <a:cs typeface="Arial" panose="020B0604020202020204" pitchFamily="34" charset="0"/>
-              </a:rPr>
-              <a:t>/</a:t>
-            </a:r>
-            <a:r>
-              <a:rPr sz="2400" b="1" spc="-15" dirty="0">
-                <a:solidFill>
-                  <a:srgbClr val="0070C0"/>
-                </a:solidFill>
-                <a:latin typeface="Arial" panose="020B0604020202020204" pitchFamily="34" charset="0"/>
-                <a:cs typeface="Arial" panose="020B0604020202020204" pitchFamily="34" charset="0"/>
-              </a:rPr>
-              <a:t> </a:t>
-            </a:r>
-            <a:r>
-              <a:rPr sz="2400" b="1" dirty="0">
-                <a:solidFill>
-                  <a:srgbClr val="0070C0"/>
-                </a:solidFill>
-                <a:latin typeface="Arial" panose="020B0604020202020204" pitchFamily="34" charset="0"/>
-                <a:cs typeface="Arial" panose="020B0604020202020204" pitchFamily="34" charset="0"/>
-              </a:rPr>
-              <a:t>22</a:t>
-            </a:r>
-            <a:endParaRPr sz="2400" dirty="0">
-              <a:solidFill>
-                <a:srgbClr val="0070C0"/>
-              </a:solidFill>
-              <a:latin typeface="Arial" panose="020B0604020202020204" pitchFamily="34" charset="0"/>
-              <a:cs typeface="Arial" panose="020B0604020202020204" pitchFamily="34" charset="0"/>
-            </a:endParaRPr>
-          </a:p>
-        </p:txBody>
-      </p:sp>
       <p:graphicFrame>
         <p:nvGraphicFramePr>
           <p:cNvPr id="4" name="Table 3">
@@ -10868,10 +10715,16 @@
           <p:cNvGraphicFramePr>
             <a:graphicFrameLocks noGrp="1"/>
           </p:cNvGraphicFramePr>
-          <p:nvPr/>
+          <p:nvPr>
+            <p:extLst>
+              <p:ext uri="{D42A27DB-BD31-4B8C-83A1-F6EECF244321}">
+                <p14:modId xmlns:p14="http://schemas.microsoft.com/office/powerpoint/2010/main" val="4020611112"/>
+              </p:ext>
+            </p:extLst>
+          </p:nvPr>
         </p:nvGraphicFramePr>
         <p:xfrm>
-          <a:off x="704256" y="1988840"/>
+          <a:off x="719572" y="1700808"/>
           <a:ext cx="7704856" cy="3888433"/>
         </p:xfrm>
         <a:graphic>
@@ -11120,19 +10973,16 @@
                     <a:p>
                       <a:pPr algn="ctr"/>
                       <a:r>
+                        <a:rPr lang="es-MX" sz="1600">
+                          <a:effectLst/>
+                        </a:rPr>
+                        <a:t>182.25.1.194 </a:t>
+                      </a:r>
+                      <a:r>
                         <a:rPr lang="es-MX" sz="1600" dirty="0">
                           <a:effectLst/>
                         </a:rPr>
-                        <a:t>10.25.96.2 /22</a:t>
-                      </a:r>
-                    </a:p>
-                    <a:p>
-                      <a:pPr algn="ctr"/>
-                      <a:r>
-                        <a:rPr lang="en-US" sz="1200" dirty="0">
-                          <a:effectLst/>
-                        </a:rPr>
-                        <a:t> </a:t>
+                        <a:t>/27</a:t>
                       </a:r>
                       <a:endParaRPr lang="es-MX" sz="1200" dirty="0">
                         <a:effectLst/>
@@ -11149,16 +10999,17 @@
                     <a:bodyPr/>
                     <a:lstStyle/>
                     <a:p>
-                      <a:pPr algn="ctr"/>
-                      <a:endParaRPr lang="es-MX" sz="1400" b="1" dirty="0">
+                      <a:pPr algn="ctr">
+                        <a:buNone/>
+                      </a:pPr>
+                      <a:endParaRPr lang="es-MX" sz="1000" dirty="0">
                         <a:effectLst/>
-                        <a:latin typeface="Arial" panose="020B0604020202020204" pitchFamily="34" charset="0"/>
+                        <a:latin typeface="Times New Roman" panose="02020603050405020304" pitchFamily="18" charset="0"/>
                         <a:ea typeface="Times New Roman" panose="02020603050405020304" pitchFamily="18" charset="0"/>
-                        <a:cs typeface="Arial" panose="020B0604020202020204" pitchFamily="34" charset="0"/>
                       </a:endParaRPr>
                     </a:p>
                   </a:txBody>
-                  <a:tcPr marL="0" marR="0" marT="0" marB="0" anchor="ctr">
+                  <a:tcPr marL="68580" marR="68580" marT="0" marB="0" anchor="ctr">
                     <a:solidFill>
                       <a:schemeClr val="bg1">
                         <a:lumMod val="85000"/>
@@ -11171,16 +11022,17 @@
                     <a:bodyPr/>
                     <a:lstStyle/>
                     <a:p>
-                      <a:pPr algn="ctr"/>
-                      <a:endParaRPr lang="es-MX" sz="1400" b="1" dirty="0">
+                      <a:pPr algn="ctr">
+                        <a:buNone/>
+                      </a:pPr>
+                      <a:endParaRPr lang="es-MX" sz="1000" dirty="0">
                         <a:effectLst/>
-                        <a:latin typeface="Arial" panose="020B0604020202020204" pitchFamily="34" charset="0"/>
-                        <a:ea typeface="Calibri" panose="020F0502020204030204" pitchFamily="34" charset="0"/>
-                        <a:cs typeface="Arial" panose="020B0604020202020204" pitchFamily="34" charset="0"/>
+                        <a:latin typeface="Times New Roman" panose="02020603050405020304" pitchFamily="18" charset="0"/>
+                        <a:ea typeface="Times New Roman" panose="02020603050405020304" pitchFamily="18" charset="0"/>
                       </a:endParaRPr>
                     </a:p>
                   </a:txBody>
-                  <a:tcPr marL="0" marR="0" marT="0" marB="0" anchor="ctr">
+                  <a:tcPr marL="68580" marR="68580" marT="0" marB="0" anchor="ctr">
                     <a:solidFill>
                       <a:schemeClr val="bg1">
                         <a:lumMod val="85000"/>
@@ -11274,7 +11126,7 @@
                           <a:ea typeface="+mn-ea"/>
                           <a:cs typeface="+mn-cs"/>
                         </a:rPr>
-                        <a:t>8.0.0.0 /9</a:t>
+                        <a:t>8.129.2.3 /9</a:t>
                       </a:r>
                       <a:r>
                         <a:rPr lang="en-US" sz="1200" dirty="0">
@@ -11412,84 +11264,6 @@
   <p:clrMapOvr>
     <a:masterClrMapping/>
   </p:clrMapOvr>
-  <p:timing>
-    <p:tnLst>
-      <p:par>
-        <p:cTn id="1" dur="indefinite" restart="never" nodeType="tmRoot">
-          <p:childTnLst>
-            <p:seq concurrent="1" nextAc="seek">
-              <p:cTn id="2" dur="indefinite" nodeType="mainSeq">
-                <p:childTnLst>
-                  <p:par>
-                    <p:cTn id="3" fill="hold">
-                      <p:stCondLst>
-                        <p:cond delay="indefinite"/>
-                      </p:stCondLst>
-                      <p:childTnLst>
-                        <p:par>
-                          <p:cTn id="4" fill="hold">
-                            <p:stCondLst>
-                              <p:cond delay="0"/>
-                            </p:stCondLst>
-                            <p:childTnLst>
-                              <p:par>
-                                <p:cTn id="5" presetID="1" presetClass="entr" presetSubtype="0" fill="hold" grpId="0" nodeType="clickEffect">
-                                  <p:stCondLst>
-                                    <p:cond delay="0"/>
-                                  </p:stCondLst>
-                                  <p:childTnLst>
-                                    <p:set>
-                                      <p:cBhvr>
-                                        <p:cTn id="6" dur="1" fill="hold">
-                                          <p:stCondLst>
-                                            <p:cond delay="0"/>
-                                          </p:stCondLst>
-                                        </p:cTn>
-                                        <p:tgtEl>
-                                          <p:spTgt spid="3"/>
-                                        </p:tgtEl>
-                                        <p:attrNameLst>
-                                          <p:attrName>style.visibility</p:attrName>
-                                        </p:attrNameLst>
-                                      </p:cBhvr>
-                                      <p:to>
-                                        <p:strVal val="visible"/>
-                                      </p:to>
-                                    </p:set>
-                                  </p:childTnLst>
-                                </p:cTn>
-                              </p:par>
-                            </p:childTnLst>
-                          </p:cTn>
-                        </p:par>
-                      </p:childTnLst>
-                    </p:cTn>
-                  </p:par>
-                </p:childTnLst>
-              </p:cTn>
-              <p:prevCondLst>
-                <p:cond evt="onPrev" delay="0">
-                  <p:tgtEl>
-                    <p:sldTgt/>
-                  </p:tgtEl>
-                </p:cond>
-              </p:prevCondLst>
-              <p:nextCondLst>
-                <p:cond evt="onNext" delay="0">
-                  <p:tgtEl>
-                    <p:sldTgt/>
-                  </p:tgtEl>
-                </p:cond>
-              </p:nextCondLst>
-            </p:seq>
-          </p:childTnLst>
-        </p:cTn>
-      </p:par>
-    </p:tnLst>
-    <p:bldLst>
-      <p:bldP spid="3" grpId="0"/>
-    </p:bldLst>
-  </p:timing>
 </p:sld>
 </file>
 
